--- a/project_01/docs/lieb_EDES301_project_01_proposal.pptx
+++ b/project_01/docs/lieb_EDES301_project_01_proposal.pptx
@@ -13,7 +13,6 @@
     <p:sldId id="258" r:id="rId9"/>
     <p:sldId id="259" r:id="rId10"/>
     <p:sldId id="260" r:id="rId11"/>
-    <p:sldId id="261" r:id="rId12"/>
   </p:sldIdLst>
   <p:sldSz cy="6858000" cx="12192000"/>
   <p:notesSz cx="6858000" cy="9144000"/>
@@ -262,7 +261,7 @@
       </p15:sldGuideLst>
     </p:ext>
     <p:ext uri="GoogleSlidesCustomDataVersion2">
-      <go:slidesCustomData xmlns:go="http://customooxmlschemas.google.com/" r:id="rId13" roundtripDataSignature="AMtx7miETUvlsGkhXNamJGk9paoFsqDNQw=="/>
+      <go:slidesCustomData xmlns:go="http://customooxmlschemas.google.com/" r:id="rId12" roundtripDataSignature="AMtx7mi+60RBv2Kp0ll7zJkcFnv7A0BexQ=="/>
     </p:ext>
   </p:extLst>
 </p:presentation>
@@ -1738,7 +1737,7 @@
   <p:cSld>
     <p:spTree>
       <p:nvGrpSpPr>
-        <p:cNvPr id="409" name="Shape 409"/>
+        <p:cNvPr id="408" name="Shape 408"/>
         <p:cNvGrpSpPr/>
         <p:nvPr/>
       </p:nvGrpSpPr>
@@ -1752,7 +1751,7 @@
       </p:grpSpPr>
       <p:sp>
         <p:nvSpPr>
-          <p:cNvPr id="410" name="Google Shape;410;p4:notes"/>
+          <p:cNvPr id="409" name="Google Shape;409;p4:notes"/>
           <p:cNvSpPr txBox="1"/>
           <p:nvPr>
             <p:ph idx="1" type="body"/>
@@ -1791,7 +1790,7 @@
       </p:sp>
       <p:sp>
         <p:nvSpPr>
-          <p:cNvPr id="411" name="Google Shape;411;p4:notes"/>
+          <p:cNvPr id="410" name="Google Shape;410;p4:notes"/>
           <p:cNvSpPr/>
           <p:nvPr>
             <p:ph idx="2" type="sldImg"/>
@@ -1837,7 +1836,7 @@
   <p:cSld>
     <p:spTree>
       <p:nvGrpSpPr>
-        <p:cNvPr id="416" name="Shape 416"/>
+        <p:cNvPr id="415" name="Shape 415"/>
         <p:cNvGrpSpPr/>
         <p:nvPr/>
       </p:nvGrpSpPr>
@@ -1851,7 +1850,7 @@
       </p:grpSpPr>
       <p:sp>
         <p:nvSpPr>
-          <p:cNvPr id="417" name="Google Shape;417;p5:notes"/>
+          <p:cNvPr id="416" name="Google Shape;416;p5:notes"/>
           <p:cNvSpPr txBox="1"/>
           <p:nvPr>
             <p:ph idx="1" type="body"/>
@@ -1890,106 +1889,7 @@
       </p:sp>
       <p:sp>
         <p:nvSpPr>
-          <p:cNvPr id="418" name="Google Shape;418;p5:notes"/>
-          <p:cNvSpPr/>
-          <p:nvPr>
-            <p:ph idx="2" type="sldImg"/>
-          </p:nvPr>
-        </p:nvSpPr>
-        <p:spPr>
-          <a:xfrm>
-            <a:off x="685800" y="1143000"/>
-            <a:ext cx="5486400" cy="3086100"/>
-          </a:xfrm>
-          <a:custGeom>
-            <a:rect b="b" l="l" r="r" t="t"/>
-            <a:pathLst>
-              <a:path extrusionOk="0" h="120000" w="120000">
-                <a:moveTo>
-                  <a:pt x="0" y="0"/>
-                </a:moveTo>
-                <a:lnTo>
-                  <a:pt x="120000" y="0"/>
-                </a:lnTo>
-                <a:lnTo>
-                  <a:pt x="120000" y="120000"/>
-                </a:lnTo>
-                <a:lnTo>
-                  <a:pt x="0" y="120000"/>
-                </a:lnTo>
-                <a:close/>
-              </a:path>
-            </a:pathLst>
-          </a:custGeom>
-        </p:spPr>
-      </p:sp>
-    </p:spTree>
-  </p:cSld>
-  <p:clrMapOvr>
-    <a:masterClrMapping/>
-  </p:clrMapOvr>
-</p:notes>
-</file>
-
-<file path=ppt/notesSlides/notesSlide6.xml><?xml version="1.0" encoding="utf-8"?>
-<p:notes xmlns:a="http://schemas.openxmlformats.org/drawingml/2006/main" xmlns:r="http://schemas.openxmlformats.org/officeDocument/2006/relationships" xmlns:mc="http://schemas.openxmlformats.org/markup-compatibility/2006" xmlns:mv="urn:schemas-microsoft-com:mac:vml" xmlns:p="http://schemas.openxmlformats.org/presentationml/2006/main" xmlns:c="http://schemas.openxmlformats.org/drawingml/2006/chart" xmlns:dgm="http://schemas.openxmlformats.org/drawingml/2006/diagram" xmlns:o="urn:schemas-microsoft-com:office:office" xmlns:v="urn:schemas-microsoft-com:vml" xmlns:pvml="urn:schemas-microsoft-com:office:powerpoint" xmlns:com="http://schemas.openxmlformats.org/drawingml/2006/compatibility" xmlns:p14="http://schemas.microsoft.com/office/powerpoint/2010/main" xmlns:p15="http://schemas.microsoft.com/office/powerpoint/2012/main" xmlns:ahyp="http://schemas.microsoft.com/office/drawing/2018/hyperlinkcolor" showMasterPhAnim="0" showMasterSp="0">
-  <p:cSld>
-    <p:spTree>
-      <p:nvGrpSpPr>
-        <p:cNvPr id="422" name="Shape 422"/>
-        <p:cNvGrpSpPr/>
-        <p:nvPr/>
-      </p:nvGrpSpPr>
-      <p:grpSpPr>
-        <a:xfrm>
-          <a:off x="0" y="0"/>
-          <a:ext cx="0" cy="0"/>
-          <a:chOff x="0" y="0"/>
-          <a:chExt cx="0" cy="0"/>
-        </a:xfrm>
-      </p:grpSpPr>
-      <p:sp>
-        <p:nvSpPr>
-          <p:cNvPr id="423" name="Google Shape;423;p6:notes"/>
-          <p:cNvSpPr txBox="1"/>
-          <p:nvPr>
-            <p:ph idx="1" type="body"/>
-          </p:nvPr>
-        </p:nvSpPr>
-        <p:spPr>
-          <a:xfrm>
-            <a:off x="685800" y="4400550"/>
-            <a:ext cx="5486400" cy="3086100"/>
-          </a:xfrm>
-          <a:prstGeom prst="rect">
-            <a:avLst/>
-          </a:prstGeom>
-        </p:spPr>
-        <p:txBody>
-          <a:bodyPr anchorCtr="0" anchor="t" bIns="45700" lIns="91425" spcFirstLastPara="1" rIns="91425" wrap="square" tIns="45700">
-            <a:noAutofit/>
-          </a:bodyPr>
-          <a:lstStyle/>
-          <a:p>
-            <a:pPr indent="0" lvl="0" marL="0" rtl="0" algn="l">
-              <a:spcBef>
-                <a:spcPts val="0"/>
-              </a:spcBef>
-              <a:spcAft>
-                <a:spcPts val="0"/>
-              </a:spcAft>
-              <a:buNone/>
-            </a:pPr>
-            <a:r>
-              <a:t/>
-            </a:r>
-            <a:endParaRPr/>
-          </a:p>
-        </p:txBody>
-      </p:sp>
-      <p:sp>
-        <p:nvSpPr>
-          <p:cNvPr id="424" name="Google Shape;424;p6:notes"/>
+          <p:cNvPr id="417" name="Google Shape;417;p5:notes"/>
           <p:cNvSpPr/>
           <p:nvPr>
             <p:ph idx="2" type="sldImg"/>
@@ -19903,8 +19803,8 @@
         </p:nvSpPr>
         <p:spPr>
           <a:xfrm>
-            <a:off x="609600" y="228600"/>
-            <a:ext cx="10972800" cy="914401"/>
+            <a:off x="229300" y="0"/>
+            <a:ext cx="10972800" cy="914400"/>
           </a:xfrm>
           <a:prstGeom prst="rect">
             <a:avLst/>
@@ -19945,18 +19845,23 @@
           </a:p>
         </p:txBody>
       </p:sp>
-      <p:sp>
-        <p:nvSpPr>
+      <p:pic>
+        <p:nvPicPr>
           <p:cNvPr id="407" name="Google Shape;407;p3"/>
-          <p:cNvSpPr txBox="1"/>
-          <p:nvPr>
-            <p:ph idx="1" type="body"/>
-          </p:nvPr>
-        </p:nvSpPr>
+          <p:cNvPicPr preferRelativeResize="0"/>
+          <p:nvPr/>
+        </p:nvPicPr>
+        <p:blipFill rotWithShape="1">
+          <a:blip r:embed="rId3">
+            <a:alphaModFix/>
+          </a:blip>
+          <a:srcRect b="27618" l="0" r="0" t="7290"/>
+          <a:stretch/>
+        </p:blipFill>
         <p:spPr>
           <a:xfrm>
-            <a:off x="609600" y="1295400"/>
-            <a:ext cx="10972800" cy="4724399"/>
+            <a:off x="4895992" y="525725"/>
+            <a:ext cx="6948412" cy="6030273"/>
           </a:xfrm>
           <a:prstGeom prst="rect">
             <a:avLst/>
@@ -19966,123 +19871,7 @@
             <a:noFill/>
           </a:ln>
         </p:spPr>
-        <p:txBody>
-          <a:bodyPr anchorCtr="0" anchor="t" bIns="45700" lIns="91425" spcFirstLastPara="1" rIns="91425" wrap="square" tIns="45700">
-            <a:normAutofit/>
-          </a:bodyPr>
-          <a:lstStyle/>
-          <a:p>
-            <a:pPr indent="-228600" lvl="0" marL="228600" rtl="0" algn="l">
-              <a:lnSpc>
-                <a:spcPct val="90000"/>
-              </a:lnSpc>
-              <a:spcBef>
-                <a:spcPts val="0"/>
-              </a:spcBef>
-              <a:spcAft>
-                <a:spcPts val="0"/>
-              </a:spcAft>
-              <a:buSzPts val="2000"/>
-              <a:buChar char="▪"/>
-            </a:pPr>
-            <a:r>
-              <a:rPr lang="en-US"/>
-              <a:t>Create a System Block Diagram</a:t>
-            </a:r>
-            <a:endParaRPr/>
-          </a:p>
-          <a:p>
-            <a:pPr indent="-182880" lvl="1" marL="457200" rtl="0" algn="l">
-              <a:lnSpc>
-                <a:spcPct val="90000"/>
-              </a:lnSpc>
-              <a:spcBef>
-                <a:spcPts val="1200"/>
-              </a:spcBef>
-              <a:spcAft>
-                <a:spcPts val="0"/>
-              </a:spcAft>
-              <a:buSzPts val="1800"/>
-              <a:buChar char="▪"/>
-            </a:pPr>
-            <a:r>
-              <a:rPr lang="en-US"/>
-              <a:t>Label interfaces (I2C, SPI, GPIO, etc.; You do not need to know all of the connections)</a:t>
-            </a:r>
-            <a:endParaRPr/>
-          </a:p>
-          <a:p>
-            <a:pPr indent="-182880" lvl="1" marL="457200" rtl="0" algn="l">
-              <a:lnSpc>
-                <a:spcPct val="90000"/>
-              </a:lnSpc>
-              <a:spcBef>
-                <a:spcPts val="1200"/>
-              </a:spcBef>
-              <a:spcAft>
-                <a:spcPts val="0"/>
-              </a:spcAft>
-              <a:buSzPts val="1800"/>
-              <a:buChar char="▪"/>
-            </a:pPr>
-            <a:r>
-              <a:rPr lang="en-US"/>
-              <a:t>Components (part numbers if possible)</a:t>
-            </a:r>
-            <a:endParaRPr/>
-          </a:p>
-        </p:txBody>
-      </p:sp>
-      <p:sp>
-        <p:nvSpPr>
-          <p:cNvPr id="408" name="Google Shape;408;p3"/>
-          <p:cNvSpPr txBox="1"/>
-          <p:nvPr/>
-        </p:nvSpPr>
-        <p:spPr>
-          <a:xfrm>
-            <a:off x="3238500" y="4177725"/>
-            <a:ext cx="5718232" cy="584775"/>
-          </a:xfrm>
-          <a:prstGeom prst="rect">
-            <a:avLst/>
-          </a:prstGeom>
-          <a:noFill/>
-          <a:ln>
-            <a:noFill/>
-          </a:ln>
-        </p:spPr>
-        <p:txBody>
-          <a:bodyPr anchorCtr="0" anchor="t" bIns="45700" lIns="91425" spcFirstLastPara="1" rIns="91425" wrap="square" tIns="45700">
-            <a:spAutoFit/>
-          </a:bodyPr>
-          <a:lstStyle/>
-          <a:p>
-            <a:pPr indent="0" lvl="0" marL="0" marR="0" rtl="0" algn="l">
-              <a:spcBef>
-                <a:spcPts val="0"/>
-              </a:spcBef>
-              <a:spcAft>
-                <a:spcPts val="0"/>
-              </a:spcAft>
-              <a:buNone/>
-            </a:pPr>
-            <a:r>
-              <a:rPr lang="en-US" sz="3200">
-                <a:solidFill>
-                  <a:schemeClr val="dk1"/>
-                </a:solidFill>
-                <a:latin typeface="Arial"/>
-                <a:ea typeface="Arial"/>
-                <a:cs typeface="Arial"/>
-                <a:sym typeface="Arial"/>
-              </a:rPr>
-              <a:t>Need Moderate Level of Detail</a:t>
-            </a:r>
-            <a:endParaRPr/>
-          </a:p>
-        </p:txBody>
-      </p:sp>
+      </p:pic>
     </p:spTree>
   </p:cSld>
   <p:clrMapOvr>
@@ -20108,7 +19897,7 @@
   <p:cSld>
     <p:spTree>
       <p:nvGrpSpPr>
-        <p:cNvPr id="412" name="Shape 412"/>
+        <p:cNvPr id="411" name="Shape 411"/>
         <p:cNvGrpSpPr/>
         <p:nvPr/>
       </p:nvGrpSpPr>
@@ -20122,7 +19911,7 @@
       </p:grpSpPr>
       <p:sp>
         <p:nvSpPr>
-          <p:cNvPr id="413" name="Google Shape;413;p4"/>
+          <p:cNvPr id="412" name="Google Shape;412;p4"/>
           <p:cNvSpPr txBox="1"/>
           <p:nvPr>
             <p:ph type="title"/>
@@ -20174,16 +19963,14 @@
       </p:sp>
       <p:sp>
         <p:nvSpPr>
-          <p:cNvPr id="414" name="Google Shape;414;p4"/>
+          <p:cNvPr id="413" name="Google Shape;413;p4"/>
           <p:cNvSpPr txBox="1"/>
-          <p:nvPr>
-            <p:ph idx="1" type="body"/>
-          </p:nvPr>
+          <p:nvPr/>
         </p:nvSpPr>
         <p:spPr>
           <a:xfrm>
-            <a:off x="609600" y="1306575"/>
-            <a:ext cx="10972800" cy="4724400"/>
+            <a:off x="0" y="3033726"/>
+            <a:ext cx="12192000" cy="492600"/>
           </a:xfrm>
           <a:prstGeom prst="rect">
             <a:avLst/>
@@ -20194,81 +19981,48 @@
           </a:ln>
         </p:spPr>
         <p:txBody>
-          <a:bodyPr anchorCtr="0" anchor="t" bIns="45700" lIns="91425" spcFirstLastPara="1" rIns="91425" wrap="square" tIns="45700">
-            <a:normAutofit/>
+          <a:bodyPr anchorCtr="0" anchor="t" bIns="91425" lIns="91425" spcFirstLastPara="1" rIns="91425" wrap="square" tIns="91425">
+            <a:spAutoFit/>
           </a:bodyPr>
           <a:lstStyle/>
           <a:p>
-            <a:pPr indent="-228600" lvl="0" marL="228600" rtl="0" algn="l">
-              <a:lnSpc>
-                <a:spcPct val="90000"/>
-              </a:lnSpc>
-              <a:spcBef>
-                <a:spcPts val="0"/>
-              </a:spcBef>
-              <a:spcAft>
-                <a:spcPts val="0"/>
-              </a:spcAft>
-              <a:buSzPts val="2000"/>
-              <a:buChar char="▪"/>
-            </a:pPr>
-            <a:r>
-              <a:rPr lang="en-US"/>
-              <a:t>Create a Power Block Diagram</a:t>
-            </a:r>
-            <a:endParaRPr/>
-          </a:p>
-          <a:p>
-            <a:pPr indent="-182880" lvl="1" marL="457200" rtl="0" algn="l">
-              <a:lnSpc>
-                <a:spcPct val="90000"/>
-              </a:lnSpc>
-              <a:spcBef>
-                <a:spcPts val="1200"/>
-              </a:spcBef>
-              <a:spcAft>
-                <a:spcPts val="0"/>
-              </a:spcAft>
-              <a:buSzPts val="1800"/>
-              <a:buChar char="▪"/>
-            </a:pPr>
-            <a:r>
-              <a:rPr lang="en-US"/>
-              <a:t>Label voltages / currents of components</a:t>
-            </a:r>
-            <a:endParaRPr/>
-          </a:p>
-          <a:p>
-            <a:pPr indent="-101600" lvl="0" marL="228600" rtl="0" algn="l">
-              <a:lnSpc>
-                <a:spcPct val="90000"/>
-              </a:lnSpc>
-              <a:spcBef>
-                <a:spcPts val="1800"/>
-              </a:spcBef>
-              <a:spcAft>
-                <a:spcPts val="0"/>
-              </a:spcAft>
-              <a:buSzPts val="2000"/>
+            <a:pPr indent="0" lvl="0" marL="0" rtl="0" algn="l">
+              <a:spcBef>
+                <a:spcPts val="0"/>
+              </a:spcBef>
+              <a:spcAft>
+                <a:spcPts val="0"/>
+              </a:spcAft>
               <a:buNone/>
             </a:pPr>
             <a:r>
               <a:t/>
             </a:r>
-            <a:endParaRPr/>
+            <a:endParaRPr sz="2000">
+              <a:solidFill>
+                <a:schemeClr val="dk1"/>
+              </a:solidFill>
+            </a:endParaRPr>
           </a:p>
         </p:txBody>
       </p:sp>
-      <p:sp>
-        <p:nvSpPr>
-          <p:cNvPr id="415" name="Google Shape;415;p4"/>
-          <p:cNvSpPr txBox="1"/>
+      <p:pic>
+        <p:nvPicPr>
+          <p:cNvPr id="414" name="Google Shape;414;p4"/>
+          <p:cNvPicPr preferRelativeResize="0"/>
           <p:nvPr/>
-        </p:nvSpPr>
+        </p:nvPicPr>
+        <p:blipFill rotWithShape="1">
+          <a:blip r:embed="rId3">
+            <a:alphaModFix/>
+          </a:blip>
+          <a:srcRect b="31894" l="0" r="0" t="10854"/>
+          <a:stretch/>
+        </p:blipFill>
         <p:spPr>
           <a:xfrm>
-            <a:off x="2857500" y="4152900"/>
-            <a:ext cx="6562822" cy="584775"/>
+            <a:off x="4700450" y="1208025"/>
+            <a:ext cx="7020052" cy="5358399"/>
           </a:xfrm>
           <a:prstGeom prst="rect">
             <a:avLst/>
@@ -20278,37 +20032,7 @@
             <a:noFill/>
           </a:ln>
         </p:spPr>
-        <p:txBody>
-          <a:bodyPr anchorCtr="0" anchor="t" bIns="45700" lIns="91425" spcFirstLastPara="1" rIns="91425" wrap="square" tIns="45700">
-            <a:spAutoFit/>
-          </a:bodyPr>
-          <a:lstStyle/>
-          <a:p>
-            <a:pPr indent="0" lvl="0" marL="0" marR="0" rtl="0" algn="l">
-              <a:spcBef>
-                <a:spcPts val="0"/>
-              </a:spcBef>
-              <a:spcAft>
-                <a:spcPts val="0"/>
-              </a:spcAft>
-              <a:buNone/>
-            </a:pPr>
-            <a:r>
-              <a:rPr lang="en-US" sz="3200">
-                <a:solidFill>
-                  <a:schemeClr val="dk1"/>
-                </a:solidFill>
-                <a:latin typeface="Arial"/>
-                <a:ea typeface="Arial"/>
-                <a:cs typeface="Arial"/>
-                <a:sym typeface="Arial"/>
-              </a:rPr>
-              <a:t>Need All Power Inputs and Outputs</a:t>
-            </a:r>
-            <a:endParaRPr/>
-          </a:p>
-        </p:txBody>
-      </p:sp>
+      </p:pic>
     </p:spTree>
   </p:cSld>
   <p:clrMapOvr>
@@ -20334,7 +20058,7 @@
   <p:cSld>
     <p:spTree>
       <p:nvGrpSpPr>
-        <p:cNvPr id="419" name="Shape 419"/>
+        <p:cNvPr id="418" name="Shape 418"/>
         <p:cNvGrpSpPr/>
         <p:nvPr/>
       </p:nvGrpSpPr>
@@ -20348,7 +20072,7 @@
       </p:grpSpPr>
       <p:sp>
         <p:nvSpPr>
-          <p:cNvPr id="420" name="Google Shape;420;p5"/>
+          <p:cNvPr id="419" name="Google Shape;419;p5"/>
           <p:cNvSpPr txBox="1"/>
           <p:nvPr>
             <p:ph type="title"/>
@@ -20400,7 +20124,7 @@
       </p:sp>
       <p:graphicFrame>
         <p:nvGraphicFramePr>
-          <p:cNvPr id="421" name="Google Shape;421;p5"/>
+          <p:cNvPr id="420" name="Google Shape;420;p5"/>
           <p:cNvGraphicFramePr/>
           <p:nvPr/>
         </p:nvGraphicFramePr>
@@ -20413,7 +20137,7 @@
             <a:tbl>
               <a:tblPr bandRow="1" firstRow="1">
                 <a:noFill/>
-                <a:tableStyleId>{58D1109B-85EA-4272-AA3F-AEB06AF6B488}</a:tableStyleId>
+                <a:tableStyleId>{AB5A3B09-0B72-4FF8-B9B2-8985E556197C}</a:tableStyleId>
               </a:tblPr>
               <a:tblGrid>
                 <a:gridCol w="7591625"/>
@@ -20524,7 +20248,7 @@
                       </a:pPr>
                       <a:r>
                         <a:rPr lang="en-US" sz="1800"/>
-                        <a:t>Big Mouth Billy Bass (will reuse shell, skeleton &amp; speaker)    </a:t>
+                        <a:t>Big Mouth Billy Bass (will reuse shell &amp; skeleton)    </a:t>
                       </a:r>
                       <a:endParaRPr sz="1800"/>
                     </a:p>
@@ -20627,7 +20351,7 @@
                       </a:pPr>
                       <a:r>
                         <a:rPr lang="en-US" sz="1800"/>
-                        <a:t>N</a:t>
+                        <a:t>Y</a:t>
                       </a:r>
                       <a:endParaRPr sz="1800"/>
                     </a:p>
@@ -20755,7 +20479,7 @@
                       </a:pPr>
                       <a:r>
                         <a:rPr lang="en-US" sz="1800"/>
-                        <a:t>USB Audio      </a:t>
+                        <a:t>USB Speaker      </a:t>
                       </a:r>
                       <a:r>
                         <a:rPr lang="en-US" sz="1800" u="sng">
@@ -20763,6 +20487,95 @@
                             <a:schemeClr val="hlink"/>
                           </a:solidFill>
                           <a:hlinkClick r:id="rId5"/>
+                        </a:rPr>
+                        <a:t>amazon</a:t>
+                      </a:r>
+                      <a:r>
+                        <a:rPr lang="en-US" sz="1800" u="sng">
+                          <a:solidFill>
+                            <a:schemeClr val="hlink"/>
+                          </a:solidFill>
+                          <a:hlinkClick r:id="rId6"/>
+                        </a:rPr>
+                        <a:t> link</a:t>
+                      </a:r>
+                      <a:endParaRPr sz="1800"/>
+                    </a:p>
+                  </a:txBody>
+                  <a:tcPr marT="45725" marB="45725" marR="91450" marL="91450"/>
+                </a:tc>
+                <a:tc>
+                  <a:txBody>
+                    <a:bodyPr/>
+                    <a:lstStyle/>
+                    <a:p>
+                      <a:pPr indent="0" lvl="0" marL="0" marR="0" rtl="0" algn="l">
+                        <a:spcBef>
+                          <a:spcPts val="0"/>
+                        </a:spcBef>
+                        <a:spcAft>
+                          <a:spcPts val="0"/>
+                        </a:spcAft>
+                        <a:buNone/>
+                      </a:pPr>
+                      <a:r>
+                        <a:rPr lang="en-US" sz="1800"/>
+                        <a:t>N</a:t>
+                      </a:r>
+                      <a:endParaRPr sz="1800"/>
+                    </a:p>
+                  </a:txBody>
+                  <a:tcPr marT="45725" marB="45725" marR="91450" marL="91450"/>
+                </a:tc>
+                <a:tc>
+                  <a:txBody>
+                    <a:bodyPr/>
+                    <a:lstStyle/>
+                    <a:p>
+                      <a:pPr indent="0" lvl="0" marL="0" marR="0" rtl="0" algn="l">
+                        <a:spcBef>
+                          <a:spcPts val="0"/>
+                        </a:spcBef>
+                        <a:spcAft>
+                          <a:spcPts val="0"/>
+                        </a:spcAft>
+                        <a:buNone/>
+                      </a:pPr>
+                      <a:r>
+                        <a:rPr lang="en-US" sz="1800"/>
+                        <a:t>$13.99</a:t>
+                      </a:r>
+                      <a:endParaRPr sz="1800"/>
+                    </a:p>
+                  </a:txBody>
+                  <a:tcPr marT="45725" marB="45725" marR="91450" marL="91450"/>
+                </a:tc>
+              </a:tr>
+              <a:tr h="370850">
+                <a:tc>
+                  <a:txBody>
+                    <a:bodyPr/>
+                    <a:lstStyle/>
+                    <a:p>
+                      <a:pPr indent="0" lvl="0" marL="0" marR="0" rtl="0" algn="l">
+                        <a:spcBef>
+                          <a:spcPts val="0"/>
+                        </a:spcBef>
+                        <a:spcAft>
+                          <a:spcPts val="0"/>
+                        </a:spcAft>
+                        <a:buNone/>
+                      </a:pPr>
+                      <a:r>
+                        <a:rPr lang="en-US" sz="1800"/>
+                        <a:t>USB Hub      </a:t>
+                      </a:r>
+                      <a:r>
+                        <a:rPr lang="en-US" sz="1800" u="sng">
+                          <a:solidFill>
+                            <a:schemeClr val="hlink"/>
+                          </a:solidFill>
+                          <a:hlinkClick r:id="rId7"/>
                         </a:rPr>
                         <a:t>provided link</a:t>
                       </a:r>
@@ -20787,7 +20600,7 @@
                       </a:pPr>
                       <a:r>
                         <a:rPr lang="en-US" sz="1800"/>
-                        <a:t>Y</a:t>
+                        <a:t>N</a:t>
                       </a:r>
                       <a:endParaRPr sz="1800"/>
                     </a:p>
@@ -20810,7 +20623,7 @@
                       </a:pPr>
                       <a:r>
                         <a:rPr lang="en-US" sz="1800"/>
-                        <a:t>$8.99</a:t>
+                        <a:t>$19.99</a:t>
                       </a:r>
                       <a:endParaRPr sz="1800"/>
                     </a:p>
@@ -20842,7 +20655,7 @@
                           <a:solidFill>
                             <a:schemeClr val="hlink"/>
                           </a:solidFill>
-                          <a:hlinkClick r:id="rId6"/>
+                          <a:hlinkClick r:id="rId8"/>
                         </a:rPr>
                         <a:t>provided link</a:t>
                       </a:r>
@@ -20922,7 +20735,7 @@
                           <a:solidFill>
                             <a:schemeClr val="hlink"/>
                           </a:solidFill>
-                          <a:hlinkClick r:id="rId7"/>
+                          <a:hlinkClick r:id="rId9"/>
                         </a:rPr>
                         <a:t>provided link</a:t>
                       </a:r>
@@ -21002,7 +20815,7 @@
                           <a:solidFill>
                             <a:schemeClr val="hlink"/>
                           </a:solidFill>
-                          <a:hlinkClick r:id="rId8"/>
+                          <a:hlinkClick r:id="rId10"/>
                         </a:rPr>
                         <a:t>provided link</a:t>
                       </a:r>
@@ -21027,7 +20840,7 @@
                       </a:pPr>
                       <a:r>
                         <a:rPr lang="en-US" sz="1800"/>
-                        <a:t>Y</a:t>
+                        <a:t>N</a:t>
                       </a:r>
                       <a:endParaRPr sz="1800"/>
                     </a:p>
@@ -21082,7 +20895,7 @@
                           <a:solidFill>
                             <a:schemeClr val="hlink"/>
                           </a:solidFill>
-                          <a:hlinkClick r:id="rId9"/>
+                          <a:hlinkClick r:id="rId11"/>
                         </a:rPr>
                         <a:t>provided link</a:t>
                       </a:r>
@@ -21162,7 +20975,7 @@
                           <a:solidFill>
                             <a:schemeClr val="hlink"/>
                           </a:solidFill>
-                          <a:hlinkClick r:id="rId10"/>
+                          <a:hlinkClick r:id="rId12"/>
                         </a:rPr>
                         <a:t>provided link</a:t>
                       </a:r>
@@ -21242,7 +21055,7 @@
                           <a:solidFill>
                             <a:schemeClr val="hlink"/>
                           </a:solidFill>
-                          <a:hlinkClick r:id="rId11"/>
+                          <a:hlinkClick r:id="rId13"/>
                         </a:rPr>
                         <a:t>provided link</a:t>
                       </a:r>
@@ -21302,433 +21115,6 @@
           </a:graphicData>
         </a:graphic>
       </p:graphicFrame>
-    </p:spTree>
-  </p:cSld>
-  <p:clrMapOvr>
-    <a:masterClrMapping/>
-  </p:clrMapOvr>
-  <mc:AlternateContent>
-    <mc:Choice Requires="p14">
-      <p:transition spd="slow" p14:dur="700">
-        <p:fade/>
-      </p:transition>
-    </mc:Choice>
-    <mc:Fallback>
-      <p:transition spd="slow">
-        <p:fade/>
-      </p:transition>
-    </mc:Fallback>
-  </mc:AlternateContent>
-</p:sld>
-</file>
-
-<file path=ppt/slides/slide6.xml><?xml version="1.0" encoding="utf-8"?>
-<p:sld xmlns:a="http://schemas.openxmlformats.org/drawingml/2006/main" xmlns:r="http://schemas.openxmlformats.org/officeDocument/2006/relationships" xmlns:mc="http://schemas.openxmlformats.org/markup-compatibility/2006" xmlns:mv="urn:schemas-microsoft-com:mac:vml" xmlns:p="http://schemas.openxmlformats.org/presentationml/2006/main" xmlns:c="http://schemas.openxmlformats.org/drawingml/2006/chart" xmlns:dgm="http://schemas.openxmlformats.org/drawingml/2006/diagram" xmlns:o="urn:schemas-microsoft-com:office:office" xmlns:v="urn:schemas-microsoft-com:vml" xmlns:pvml="urn:schemas-microsoft-com:office:powerpoint" xmlns:com="http://schemas.openxmlformats.org/drawingml/2006/compatibility" xmlns:p14="http://schemas.microsoft.com/office/powerpoint/2010/main" xmlns:p15="http://schemas.microsoft.com/office/powerpoint/2012/main" xmlns:ahyp="http://schemas.microsoft.com/office/drawing/2018/hyperlinkcolor">
-  <p:cSld>
-    <p:spTree>
-      <p:nvGrpSpPr>
-        <p:cNvPr id="425" name="Shape 425"/>
-        <p:cNvGrpSpPr/>
-        <p:nvPr/>
-      </p:nvGrpSpPr>
-      <p:grpSpPr>
-        <a:xfrm>
-          <a:off x="0" y="0"/>
-          <a:ext cx="0" cy="0"/>
-          <a:chOff x="0" y="0"/>
-          <a:chExt cx="0" cy="0"/>
-        </a:xfrm>
-      </p:grpSpPr>
-      <p:sp>
-        <p:nvSpPr>
-          <p:cNvPr id="426" name="Google Shape;426;p6"/>
-          <p:cNvSpPr txBox="1"/>
-          <p:nvPr>
-            <p:ph type="title"/>
-          </p:nvPr>
-        </p:nvSpPr>
-        <p:spPr>
-          <a:xfrm>
-            <a:off x="609600" y="228600"/>
-            <a:ext cx="10972800" cy="914401"/>
-          </a:xfrm>
-          <a:prstGeom prst="rect">
-            <a:avLst/>
-          </a:prstGeom>
-          <a:noFill/>
-          <a:ln>
-            <a:noFill/>
-          </a:ln>
-        </p:spPr>
-        <p:txBody>
-          <a:bodyPr anchorCtr="0" anchor="b" bIns="45700" lIns="91425" spcFirstLastPara="1" rIns="91425" wrap="square" tIns="45700">
-            <a:normAutofit/>
-          </a:bodyPr>
-          <a:lstStyle/>
-          <a:p>
-            <a:pPr indent="0" lvl="0" marL="0" rtl="0" algn="l">
-              <a:lnSpc>
-                <a:spcPct val="90000"/>
-              </a:lnSpc>
-              <a:spcBef>
-                <a:spcPts val="0"/>
-              </a:spcBef>
-              <a:spcAft>
-                <a:spcPts val="0"/>
-              </a:spcAft>
-              <a:buClr>
-                <a:srgbClr val="266F8B"/>
-              </a:buClr>
-              <a:buSzPts val="3200"/>
-              <a:buFont typeface="Arial"/>
-              <a:buNone/>
-            </a:pPr>
-            <a:r>
-              <a:rPr lang="en-US"/>
-              <a:t>Component Selection (Remove slide for submission)</a:t>
-            </a:r>
-            <a:endParaRPr/>
-          </a:p>
-        </p:txBody>
-      </p:sp>
-      <p:sp>
-        <p:nvSpPr>
-          <p:cNvPr id="427" name="Google Shape;427;p6"/>
-          <p:cNvSpPr txBox="1"/>
-          <p:nvPr>
-            <p:ph idx="1" type="body"/>
-          </p:nvPr>
-        </p:nvSpPr>
-        <p:spPr>
-          <a:xfrm>
-            <a:off x="609600" y="1295400"/>
-            <a:ext cx="10972800" cy="4724399"/>
-          </a:xfrm>
-          <a:prstGeom prst="rect">
-            <a:avLst/>
-          </a:prstGeom>
-          <a:noFill/>
-          <a:ln>
-            <a:noFill/>
-          </a:ln>
-        </p:spPr>
-        <p:txBody>
-          <a:bodyPr anchorCtr="0" anchor="t" bIns="45700" lIns="91425" spcFirstLastPara="1" rIns="91425" wrap="square" tIns="45700">
-            <a:normAutofit/>
-          </a:bodyPr>
-          <a:lstStyle/>
-          <a:p>
-            <a:pPr indent="-228600" lvl="0" marL="228600" rtl="0" algn="l">
-              <a:lnSpc>
-                <a:spcPct val="90000"/>
-              </a:lnSpc>
-              <a:spcBef>
-                <a:spcPts val="0"/>
-              </a:spcBef>
-              <a:spcAft>
-                <a:spcPts val="0"/>
-              </a:spcAft>
-              <a:buSzPts val="2000"/>
-              <a:buChar char="▪"/>
-            </a:pPr>
-            <a:r>
-              <a:rPr lang="en-US"/>
-              <a:t>All components must be from either:  </a:t>
-            </a:r>
-            <a:r>
-              <a:rPr lang="en-US" u="sng">
-                <a:solidFill>
-                  <a:schemeClr val="hlink"/>
-                </a:solidFill>
-                <a:hlinkClick r:id="rId3"/>
-              </a:rPr>
-              <a:t>Amazon</a:t>
-            </a:r>
-            <a:r>
-              <a:rPr lang="en-US"/>
-              <a:t>, </a:t>
-            </a:r>
-            <a:r>
-              <a:rPr lang="en-US" u="sng">
-                <a:solidFill>
-                  <a:schemeClr val="hlink"/>
-                </a:solidFill>
-                <a:hlinkClick r:id="rId4"/>
-              </a:rPr>
-              <a:t>Adafruit</a:t>
-            </a:r>
-            <a:r>
-              <a:rPr lang="en-US"/>
-              <a:t>, </a:t>
-            </a:r>
-            <a:r>
-              <a:rPr lang="en-US" u="sng">
-                <a:solidFill>
-                  <a:schemeClr val="hlink"/>
-                </a:solidFill>
-                <a:hlinkClick r:id="rId5"/>
-              </a:rPr>
-              <a:t>Sparkfun</a:t>
-            </a:r>
-            <a:r>
-              <a:rPr lang="en-US"/>
-              <a:t>, </a:t>
-            </a:r>
-            <a:r>
-              <a:rPr lang="en-US" u="sng">
-                <a:solidFill>
-                  <a:schemeClr val="hlink"/>
-                </a:solidFill>
-                <a:hlinkClick r:id="rId6"/>
-              </a:rPr>
-              <a:t>Digi-Key</a:t>
-            </a:r>
-            <a:r>
-              <a:rPr lang="en-US"/>
-              <a:t>, or </a:t>
-            </a:r>
-            <a:r>
-              <a:rPr lang="en-US" u="sng">
-                <a:solidFill>
-                  <a:schemeClr val="hlink"/>
-                </a:solidFill>
-                <a:hlinkClick r:id="rId7"/>
-              </a:rPr>
-              <a:t>Mouser</a:t>
-            </a:r>
-            <a:endParaRPr/>
-          </a:p>
-          <a:p>
-            <a:pPr indent="-228600" lvl="0" marL="228600" rtl="0" algn="l">
-              <a:lnSpc>
-                <a:spcPct val="90000"/>
-              </a:lnSpc>
-              <a:spcBef>
-                <a:spcPts val="1800"/>
-              </a:spcBef>
-              <a:spcAft>
-                <a:spcPts val="0"/>
-              </a:spcAft>
-              <a:buSzPts val="2000"/>
-              <a:buChar char="▪"/>
-            </a:pPr>
-            <a:r>
-              <a:rPr lang="en-US"/>
-              <a:t>Select no more than two (2) components that are not on approved component spreadsheet</a:t>
-            </a:r>
-            <a:endParaRPr/>
-          </a:p>
-          <a:p>
-            <a:pPr indent="-182880" lvl="1" marL="457200" rtl="0" algn="l">
-              <a:lnSpc>
-                <a:spcPct val="90000"/>
-              </a:lnSpc>
-              <a:spcBef>
-                <a:spcPts val="1200"/>
-              </a:spcBef>
-              <a:spcAft>
-                <a:spcPts val="0"/>
-              </a:spcAft>
-              <a:buSzPts val="1800"/>
-              <a:buChar char="▪"/>
-            </a:pPr>
-            <a:r>
-              <a:rPr lang="en-US"/>
-              <a:t>See Canvas 🡪 Files 🡪 assignments 🡪 EDES301_project_01_parts_list.xlsx</a:t>
-            </a:r>
-            <a:endParaRPr/>
-          </a:p>
-          <a:p>
-            <a:pPr indent="-182880" lvl="1" marL="457200" rtl="0" algn="l">
-              <a:lnSpc>
-                <a:spcPct val="90000"/>
-              </a:lnSpc>
-              <a:spcBef>
-                <a:spcPts val="1200"/>
-              </a:spcBef>
-              <a:spcAft>
-                <a:spcPts val="0"/>
-              </a:spcAft>
-              <a:buSzPts val="1800"/>
-              <a:buChar char="▪"/>
-            </a:pPr>
-            <a:r>
-              <a:rPr lang="en-US"/>
-              <a:t>If there is a cheaper part that you would like to use, we can discuss in the project meeting</a:t>
-            </a:r>
-            <a:endParaRPr/>
-          </a:p>
-          <a:p>
-            <a:pPr indent="-228600" lvl="0" marL="228600" rtl="0" algn="l">
-              <a:lnSpc>
-                <a:spcPct val="90000"/>
-              </a:lnSpc>
-              <a:spcBef>
-                <a:spcPts val="1800"/>
-              </a:spcBef>
-              <a:spcAft>
-                <a:spcPts val="0"/>
-              </a:spcAft>
-              <a:buSzPts val="2000"/>
-              <a:buChar char="▪"/>
-            </a:pPr>
-            <a:r>
-              <a:rPr lang="en-US"/>
-              <a:t>All components needed for the project should be listed on Slide 5</a:t>
-            </a:r>
-            <a:endParaRPr/>
-          </a:p>
-          <a:p>
-            <a:pPr indent="-228600" lvl="0" marL="228600" rtl="0" algn="l">
-              <a:lnSpc>
-                <a:spcPct val="90000"/>
-              </a:lnSpc>
-              <a:spcBef>
-                <a:spcPts val="1800"/>
-              </a:spcBef>
-              <a:spcAft>
-                <a:spcPts val="0"/>
-              </a:spcAft>
-              <a:buSzPts val="2000"/>
-              <a:buChar char="▪"/>
-            </a:pPr>
-            <a:r>
-              <a:rPr lang="en-US"/>
-              <a:t>All components should have links to the website where they can be purchased</a:t>
-            </a:r>
-            <a:endParaRPr/>
-          </a:p>
-          <a:p>
-            <a:pPr indent="-182880" lvl="1" marL="457200" rtl="0" algn="l">
-              <a:lnSpc>
-                <a:spcPct val="90000"/>
-              </a:lnSpc>
-              <a:spcBef>
-                <a:spcPts val="1200"/>
-              </a:spcBef>
-              <a:spcAft>
-                <a:spcPts val="0"/>
-              </a:spcAft>
-              <a:buSzPts val="1800"/>
-              <a:buChar char="▪"/>
-            </a:pPr>
-            <a:r>
-              <a:rPr lang="en-US"/>
-              <a:t>Please trim URLs for links to Amazon</a:t>
-            </a:r>
-            <a:endParaRPr/>
-          </a:p>
-          <a:p>
-            <a:pPr indent="-228600" lvl="0" marL="228600" rtl="0" algn="l">
-              <a:lnSpc>
-                <a:spcPct val="90000"/>
-              </a:lnSpc>
-              <a:spcBef>
-                <a:spcPts val="1800"/>
-              </a:spcBef>
-              <a:spcAft>
-                <a:spcPts val="0"/>
-              </a:spcAft>
-              <a:buSzPts val="2000"/>
-              <a:buChar char="▪"/>
-            </a:pPr>
-            <a:r>
-              <a:rPr lang="en-US"/>
-              <a:t>EDES301 will supplement $25 to $35 dollars for components</a:t>
-            </a:r>
-            <a:endParaRPr/>
-          </a:p>
-          <a:p>
-            <a:pPr indent="-182880" lvl="1" marL="457200" rtl="0" algn="l">
-              <a:lnSpc>
-                <a:spcPct val="90000"/>
-              </a:lnSpc>
-              <a:spcBef>
-                <a:spcPts val="1200"/>
-              </a:spcBef>
-              <a:spcAft>
-                <a:spcPts val="0"/>
-              </a:spcAft>
-              <a:buSzPts val="1800"/>
-              <a:buChar char="▪"/>
-            </a:pPr>
-            <a:r>
-              <a:rPr lang="en-US"/>
-              <a:t>Please indicate what components need to be purchased by EDES301</a:t>
-            </a:r>
-            <a:endParaRPr/>
-          </a:p>
-          <a:p>
-            <a:pPr indent="-101600" lvl="0" marL="228600" rtl="0" algn="l">
-              <a:lnSpc>
-                <a:spcPct val="90000"/>
-              </a:lnSpc>
-              <a:spcBef>
-                <a:spcPts val="1800"/>
-              </a:spcBef>
-              <a:spcAft>
-                <a:spcPts val="0"/>
-              </a:spcAft>
-              <a:buSzPts val="2000"/>
-              <a:buNone/>
-            </a:pPr>
-            <a:r>
-              <a:t/>
-            </a:r>
-            <a:endParaRPr/>
-          </a:p>
-        </p:txBody>
-      </p:sp>
-      <p:sp>
-        <p:nvSpPr>
-          <p:cNvPr id="428" name="Google Shape;428;p6"/>
-          <p:cNvSpPr txBox="1"/>
-          <p:nvPr/>
-        </p:nvSpPr>
-        <p:spPr>
-          <a:xfrm>
-            <a:off x="2590800" y="6286500"/>
-            <a:ext cx="7083991" cy="369332"/>
-          </a:xfrm>
-          <a:prstGeom prst="rect">
-            <a:avLst/>
-          </a:prstGeom>
-          <a:noFill/>
-          <a:ln>
-            <a:noFill/>
-          </a:ln>
-        </p:spPr>
-        <p:txBody>
-          <a:bodyPr anchorCtr="0" anchor="t" bIns="45700" lIns="91425" spcFirstLastPara="1" rIns="91425" wrap="square" tIns="45700">
-            <a:spAutoFit/>
-          </a:bodyPr>
-          <a:lstStyle/>
-          <a:p>
-            <a:pPr indent="0" lvl="0" marL="0" marR="0" rtl="0" algn="l">
-              <a:spcBef>
-                <a:spcPts val="0"/>
-              </a:spcBef>
-              <a:spcAft>
-                <a:spcPts val="0"/>
-              </a:spcAft>
-              <a:buNone/>
-            </a:pPr>
-            <a:r>
-              <a:rPr lang="en-US" sz="1800">
-                <a:solidFill>
-                  <a:schemeClr val="dk1"/>
-                </a:solidFill>
-                <a:latin typeface="Arial"/>
-                <a:ea typeface="Arial"/>
-                <a:cs typeface="Arial"/>
-                <a:sym typeface="Arial"/>
-              </a:rPr>
-              <a:t>If you have a special request, we can discuss in the project meeting</a:t>
-            </a:r>
-            <a:endParaRPr/>
-          </a:p>
-        </p:txBody>
-      </p:sp>
     </p:spTree>
   </p:cSld>
   <p:clrMapOvr>

--- a/project_01/docs/lieb_EDES301_project_01_proposal.pptx
+++ b/project_01/docs/lieb_EDES301_project_01_proposal.pptx
@@ -20137,7 +20137,7 @@
             <a:tbl>
               <a:tblPr bandRow="1" firstRow="1">
                 <a:noFill/>
-                <a:tableStyleId>{AB5A3B09-0B72-4FF8-B9B2-8985E556197C}</a:tableStyleId>
+                <a:tableStyleId>{8DAE9F19-CF50-434C-B611-8B4DF62A7CD2}</a:tableStyleId>
               </a:tblPr>
               <a:tblGrid>
                 <a:gridCol w="7591625"/>
@@ -20797,7 +20797,10 @@
                     <a:bodyPr/>
                     <a:lstStyle/>
                     <a:p>
-                      <a:pPr indent="0" lvl="0" marL="0" marR="0" rtl="0" algn="l">
+                      <a:pPr indent="0" lvl="0" marL="0" rtl="0" algn="l">
+                        <a:lnSpc>
+                          <a:spcPct val="133333"/>
+                        </a:lnSpc>
                         <a:spcBef>
                           <a:spcPts val="0"/>
                         </a:spcBef>
@@ -20807,17 +20810,27 @@
                         <a:buNone/>
                       </a:pPr>
                       <a:r>
-                        <a:rPr lang="en-US" sz="1800"/>
-                        <a:t>Motor Drivers x2     </a:t>
+                        <a:rPr lang="en-US" sz="1800">
+                          <a:solidFill>
+                            <a:srgbClr val="0F1111"/>
+                          </a:solidFill>
+                          <a:highlight>
+                            <a:srgbClr val="FFFFFF"/>
+                          </a:highlight>
+                        </a:rPr>
+                        <a:t>3D Printer CNC Shield V3 Engraver Expansion Board with 4X A4988 Driver Module and 4 x Radiator    </a:t>
                       </a:r>
                       <a:r>
                         <a:rPr lang="en-US" sz="1800" u="sng">
                           <a:solidFill>
                             <a:schemeClr val="hlink"/>
                           </a:solidFill>
+                          <a:highlight>
+                            <a:srgbClr val="FFFFFF"/>
+                          </a:highlight>
                           <a:hlinkClick r:id="rId10"/>
                         </a:rPr>
-                        <a:t>provided link</a:t>
+                        <a:t>link</a:t>
                       </a:r>
                       <a:endParaRPr sz="1800"/>
                     </a:p>
@@ -20863,87 +20876,7 @@
                       </a:pPr>
                       <a:r>
                         <a:rPr lang="en-US" sz="1800"/>
-                        <a:t>$4.08 ($2.04ea)</a:t>
-                      </a:r>
-                      <a:endParaRPr sz="1800"/>
-                    </a:p>
-                  </a:txBody>
-                  <a:tcPr marT="45725" marB="45725" marR="91450" marL="91450"/>
-                </a:tc>
-              </a:tr>
-              <a:tr h="370850">
-                <a:tc>
-                  <a:txBody>
-                    <a:bodyPr/>
-                    <a:lstStyle/>
-                    <a:p>
-                      <a:pPr indent="0" lvl="0" marL="0" marR="0" rtl="0" algn="l">
-                        <a:spcBef>
-                          <a:spcPts val="0"/>
-                        </a:spcBef>
-                        <a:spcAft>
-                          <a:spcPts val="0"/>
-                        </a:spcAft>
-                        <a:buNone/>
-                      </a:pPr>
-                      <a:r>
-                        <a:rPr lang="en-US" sz="1800"/>
-                        <a:t>CNC Shield          </a:t>
-                      </a:r>
-                      <a:r>
-                        <a:rPr lang="en-US" sz="1800" u="sng">
-                          <a:solidFill>
-                            <a:schemeClr val="hlink"/>
-                          </a:solidFill>
-                          <a:hlinkClick r:id="rId11"/>
-                        </a:rPr>
-                        <a:t>provided link</a:t>
-                      </a:r>
-                      <a:endParaRPr sz="1800"/>
-                    </a:p>
-                  </a:txBody>
-                  <a:tcPr marT="45725" marB="45725" marR="91450" marL="91450"/>
-                </a:tc>
-                <a:tc>
-                  <a:txBody>
-                    <a:bodyPr/>
-                    <a:lstStyle/>
-                    <a:p>
-                      <a:pPr indent="0" lvl="0" marL="0" marR="0" rtl="0" algn="l">
-                        <a:spcBef>
-                          <a:spcPts val="0"/>
-                        </a:spcBef>
-                        <a:spcAft>
-                          <a:spcPts val="0"/>
-                        </a:spcAft>
-                        <a:buNone/>
-                      </a:pPr>
-                      <a:r>
-                        <a:rPr lang="en-US" sz="1800"/>
-                        <a:t>N</a:t>
-                      </a:r>
-                      <a:endParaRPr sz="1800"/>
-                    </a:p>
-                  </a:txBody>
-                  <a:tcPr marT="45725" marB="45725" marR="91450" marL="91450"/>
-                </a:tc>
-                <a:tc>
-                  <a:txBody>
-                    <a:bodyPr/>
-                    <a:lstStyle/>
-                    <a:p>
-                      <a:pPr indent="0" lvl="0" marL="0" marR="0" rtl="0" algn="l">
-                        <a:spcBef>
-                          <a:spcPts val="0"/>
-                        </a:spcBef>
-                        <a:spcAft>
-                          <a:spcPts val="0"/>
-                        </a:spcAft>
-                        <a:buNone/>
-                      </a:pPr>
-                      <a:r>
-                        <a:rPr lang="en-US" sz="1800"/>
-                        <a:t>$4.00</a:t>
+                        <a:t>$9.99</a:t>
                       </a:r>
                       <a:endParaRPr sz="1800"/>
                     </a:p>
@@ -20975,7 +20908,7 @@
                           <a:solidFill>
                             <a:schemeClr val="hlink"/>
                           </a:solidFill>
-                          <a:hlinkClick r:id="rId12"/>
+                          <a:hlinkClick r:id="rId11"/>
                         </a:rPr>
                         <a:t>provided link</a:t>
                       </a:r>
@@ -21055,7 +20988,7 @@
                           <a:solidFill>
                             <a:schemeClr val="hlink"/>
                           </a:solidFill>
-                          <a:hlinkClick r:id="rId13"/>
+                          <a:hlinkClick r:id="rId12"/>
                         </a:rPr>
                         <a:t>provided link</a:t>
                       </a:r>
@@ -21136,6 +21069,285 @@
 </file>
 
 <file path=ppt/theme/theme1.xml><?xml version="1.0" encoding="utf-8"?>
+<a:theme xmlns:a="http://schemas.openxmlformats.org/drawingml/2006/main" xmlns:r="http://schemas.openxmlformats.org/officeDocument/2006/relationships" name="Diamond Grid 16x9">
+  <a:themeElements>
+    <a:clrScheme name="Custom 3">
+      <a:dk1>
+        <a:srgbClr val="000000"/>
+      </a:dk1>
+      <a:lt1>
+        <a:srgbClr val="FFFFFF"/>
+      </a:lt1>
+      <a:dk2>
+        <a:srgbClr val="373545"/>
+      </a:dk2>
+      <a:lt2>
+        <a:srgbClr val="CEDBE6"/>
+      </a:lt2>
+      <a:accent1>
+        <a:srgbClr val="3494BA"/>
+      </a:accent1>
+      <a:accent2>
+        <a:srgbClr val="58B6C0"/>
+      </a:accent2>
+      <a:accent3>
+        <a:srgbClr val="75BDA7"/>
+      </a:accent3>
+      <a:accent4>
+        <a:srgbClr val="7A8C8E"/>
+      </a:accent4>
+      <a:accent5>
+        <a:srgbClr val="84ACB6"/>
+      </a:accent5>
+      <a:accent6>
+        <a:srgbClr val="2683C6"/>
+      </a:accent6>
+      <a:hlink>
+        <a:srgbClr val="000000"/>
+      </a:hlink>
+      <a:folHlink>
+        <a:srgbClr val="9F6715"/>
+      </a:folHlink>
+    </a:clrScheme>
+    <a:fontScheme name="Office">
+      <a:majorFont>
+        <a:latin typeface="Arial"/>
+        <a:ea typeface=""/>
+        <a:cs typeface=""/>
+        <a:font script="Jpan" typeface="ＭＳ Ｐゴシック"/>
+        <a:font script="Hang" typeface="맑은 고딕"/>
+        <a:font script="Hans" typeface="宋体"/>
+        <a:font script="Hant" typeface="新細明體"/>
+        <a:font script="Arab" typeface="Times New Roman"/>
+        <a:font script="Hebr" typeface="Times New Roman"/>
+        <a:font script="Thai" typeface="Angsana New"/>
+        <a:font script="Ethi" typeface="Nyala"/>
+        <a:font script="Beng" typeface="Vrinda"/>
+        <a:font script="Gujr" typeface="Shruti"/>
+        <a:font script="Khmr" typeface="MoolBoran"/>
+        <a:font script="Knda" typeface="Tunga"/>
+        <a:font script="Guru" typeface="Raavi"/>
+        <a:font script="Cans" typeface="Euphemia"/>
+        <a:font script="Cher" typeface="Plantagenet Cherokee"/>
+        <a:font script="Yiii" typeface="Microsoft Yi Baiti"/>
+        <a:font script="Tibt" typeface="Microsoft Himalaya"/>
+        <a:font script="Thaa" typeface="MV Boli"/>
+        <a:font script="Deva" typeface="Mangal"/>
+        <a:font script="Telu" typeface="Gautami"/>
+        <a:font script="Taml" typeface="Latha"/>
+        <a:font script="Syrc" typeface="Estrangelo Edessa"/>
+        <a:font script="Orya" typeface="Kalinga"/>
+        <a:font script="Mlym" typeface="Kartika"/>
+        <a:font script="Laoo" typeface="DokChampa"/>
+        <a:font script="Sinh" typeface="Iskoola Pota"/>
+        <a:font script="Mong" typeface="Mongolian Baiti"/>
+        <a:font script="Viet" typeface="Times New Roman"/>
+        <a:font script="Uigh" typeface="Microsoft Uighur"/>
+        <a:font script="Geor" typeface="Sylfaen"/>
+      </a:majorFont>
+      <a:minorFont>
+        <a:latin typeface="Arial"/>
+        <a:ea typeface=""/>
+        <a:cs typeface=""/>
+        <a:font script="Jpan" typeface="ＭＳ Ｐゴシック"/>
+        <a:font script="Hang" typeface="맑은 고딕"/>
+        <a:font script="Hans" typeface="宋体"/>
+        <a:font script="Hant" typeface="新細明體"/>
+        <a:font script="Arab" typeface="Arial"/>
+        <a:font script="Hebr" typeface="Arial"/>
+        <a:font script="Thai" typeface="Cordia New"/>
+        <a:font script="Ethi" typeface="Nyala"/>
+        <a:font script="Beng" typeface="Vrinda"/>
+        <a:font script="Gujr" typeface="Shruti"/>
+        <a:font script="Khmr" typeface="DaunPenh"/>
+        <a:font script="Knda" typeface="Tunga"/>
+        <a:font script="Guru" typeface="Raavi"/>
+        <a:font script="Cans" typeface="Euphemia"/>
+        <a:font script="Cher" typeface="Plantagenet Cherokee"/>
+        <a:font script="Yiii" typeface="Microsoft Yi Baiti"/>
+        <a:font script="Tibt" typeface="Microsoft Himalaya"/>
+        <a:font script="Thaa" typeface="MV Boli"/>
+        <a:font script="Deva" typeface="Mangal"/>
+        <a:font script="Telu" typeface="Gautami"/>
+        <a:font script="Taml" typeface="Latha"/>
+        <a:font script="Syrc" typeface="Estrangelo Edessa"/>
+        <a:font script="Orya" typeface="Kalinga"/>
+        <a:font script="Mlym" typeface="Kartika"/>
+        <a:font script="Laoo" typeface="DokChampa"/>
+        <a:font script="Sinh" typeface="Iskoola Pota"/>
+        <a:font script="Mong" typeface="Mongolian Baiti"/>
+        <a:font script="Viet" typeface="Arial"/>
+        <a:font script="Uigh" typeface="Microsoft Uighur"/>
+        <a:font script="Geor" typeface="Sylfaen"/>
+      </a:minorFont>
+    </a:fontScheme>
+    <a:fmtScheme name="Office">
+      <a:fillStyleLst>
+        <a:solidFill>
+          <a:schemeClr val="phClr"/>
+        </a:solidFill>
+        <a:gradFill rotWithShape="1">
+          <a:gsLst>
+            <a:gs pos="0">
+              <a:schemeClr val="phClr">
+                <a:tint val="50000"/>
+                <a:satMod val="300000"/>
+              </a:schemeClr>
+            </a:gs>
+            <a:gs pos="35000">
+              <a:schemeClr val="phClr">
+                <a:tint val="37000"/>
+                <a:satMod val="300000"/>
+              </a:schemeClr>
+            </a:gs>
+            <a:gs pos="100000">
+              <a:schemeClr val="phClr">
+                <a:tint val="15000"/>
+                <a:satMod val="350000"/>
+              </a:schemeClr>
+            </a:gs>
+          </a:gsLst>
+          <a:lin ang="16200000" scaled="1"/>
+        </a:gradFill>
+        <a:gradFill rotWithShape="1">
+          <a:gsLst>
+            <a:gs pos="0">
+              <a:schemeClr val="phClr">
+                <a:tint val="100000"/>
+                <a:shade val="100000"/>
+                <a:satMod val="130000"/>
+              </a:schemeClr>
+            </a:gs>
+            <a:gs pos="100000">
+              <a:schemeClr val="phClr">
+                <a:tint val="50000"/>
+                <a:shade val="100000"/>
+                <a:satMod val="350000"/>
+              </a:schemeClr>
+            </a:gs>
+          </a:gsLst>
+          <a:lin ang="16200000" scaled="0"/>
+        </a:gradFill>
+      </a:fillStyleLst>
+      <a:lnStyleLst>
+        <a:ln w="9525" cap="flat" cmpd="sng" algn="ctr">
+          <a:solidFill>
+            <a:schemeClr val="phClr">
+              <a:shade val="95000"/>
+              <a:satMod val="105000"/>
+            </a:schemeClr>
+          </a:solidFill>
+          <a:prstDash val="solid"/>
+        </a:ln>
+        <a:ln w="25400" cap="flat" cmpd="sng" algn="ctr">
+          <a:solidFill>
+            <a:schemeClr val="phClr"/>
+          </a:solidFill>
+          <a:prstDash val="solid"/>
+        </a:ln>
+        <a:ln w="38100" cap="flat" cmpd="sng" algn="ctr">
+          <a:solidFill>
+            <a:schemeClr val="phClr"/>
+          </a:solidFill>
+          <a:prstDash val="solid"/>
+        </a:ln>
+      </a:lnStyleLst>
+      <a:effectStyleLst>
+        <a:effectStyle>
+          <a:effectLst>
+            <a:outerShdw blurRad="40000" dist="20000" dir="5400000" rotWithShape="0">
+              <a:srgbClr val="000000">
+                <a:alpha val="38000"/>
+              </a:srgbClr>
+            </a:outerShdw>
+          </a:effectLst>
+        </a:effectStyle>
+        <a:effectStyle>
+          <a:effectLst>
+            <a:outerShdw blurRad="40000" dist="23000" dir="5400000" rotWithShape="0">
+              <a:srgbClr val="000000">
+                <a:alpha val="35000"/>
+              </a:srgbClr>
+            </a:outerShdw>
+          </a:effectLst>
+        </a:effectStyle>
+        <a:effectStyle>
+          <a:effectLst>
+            <a:outerShdw blurRad="40000" dist="23000" dir="5400000" rotWithShape="0">
+              <a:srgbClr val="000000">
+                <a:alpha val="35000"/>
+              </a:srgbClr>
+            </a:outerShdw>
+          </a:effectLst>
+          <a:scene3d>
+            <a:camera prst="orthographicFront">
+              <a:rot lat="0" lon="0" rev="0"/>
+            </a:camera>
+            <a:lightRig rig="threePt" dir="t">
+              <a:rot lat="0" lon="0" rev="1200000"/>
+            </a:lightRig>
+          </a:scene3d>
+          <a:sp3d>
+            <a:bevelT w="63500" h="25400"/>
+          </a:sp3d>
+        </a:effectStyle>
+      </a:effectStyleLst>
+      <a:bgFillStyleLst>
+        <a:solidFill>
+          <a:schemeClr val="phClr"/>
+        </a:solidFill>
+        <a:gradFill rotWithShape="1">
+          <a:gsLst>
+            <a:gs pos="0">
+              <a:schemeClr val="phClr">
+                <a:tint val="40000"/>
+                <a:satMod val="350000"/>
+              </a:schemeClr>
+            </a:gs>
+            <a:gs pos="40000">
+              <a:schemeClr val="phClr">
+                <a:tint val="45000"/>
+                <a:shade val="99000"/>
+                <a:satMod val="350000"/>
+              </a:schemeClr>
+            </a:gs>
+            <a:gs pos="100000">
+              <a:schemeClr val="phClr">
+                <a:shade val="20000"/>
+                <a:satMod val="255000"/>
+              </a:schemeClr>
+            </a:gs>
+          </a:gsLst>
+          <a:path path="circle">
+            <a:fillToRect l="50000" t="-80000" r="50000" b="180000"/>
+          </a:path>
+        </a:gradFill>
+        <a:gradFill rotWithShape="1">
+          <a:gsLst>
+            <a:gs pos="0">
+              <a:schemeClr val="phClr">
+                <a:tint val="80000"/>
+                <a:satMod val="300000"/>
+              </a:schemeClr>
+            </a:gs>
+            <a:gs pos="100000">
+              <a:schemeClr val="phClr">
+                <a:shade val="30000"/>
+                <a:satMod val="200000"/>
+              </a:schemeClr>
+            </a:gs>
+          </a:gsLst>
+          <a:path path="circle">
+            <a:fillToRect l="50000" t="50000" r="50000" b="50000"/>
+          </a:path>
+        </a:gradFill>
+      </a:bgFillStyleLst>
+    </a:fmtScheme>
+  </a:themeElements>
+</a:theme>
+</file>
+
+<file path=ppt/theme/theme2.xml><?xml version="1.0" encoding="utf-8"?>
 <a:theme xmlns:a="http://schemas.openxmlformats.org/drawingml/2006/main" xmlns:r="http://schemas.openxmlformats.org/officeDocument/2006/relationships" name="Office Theme">
   <a:themeElements>
     <a:clrScheme name="DiamondGrid">
@@ -21412,283 +21624,4 @@
     </a:fmtScheme>
   </a:themeElements>
 </a:theme>
-</file>
-
-<file path=ppt/theme/theme2.xml><?xml version="1.0" encoding="utf-8"?>
-<a:theme xmlns:a="http://schemas.openxmlformats.org/drawingml/2006/main" xmlns:r="http://schemas.openxmlformats.org/officeDocument/2006/relationships" name="Diamond Grid 16x9">
-  <a:themeElements>
-    <a:clrScheme name="Custom 3">
-      <a:dk1>
-        <a:srgbClr val="000000"/>
-      </a:dk1>
-      <a:lt1>
-        <a:srgbClr val="FFFFFF"/>
-      </a:lt1>
-      <a:dk2>
-        <a:srgbClr val="373545"/>
-      </a:dk2>
-      <a:lt2>
-        <a:srgbClr val="CEDBE6"/>
-      </a:lt2>
-      <a:accent1>
-        <a:srgbClr val="3494BA"/>
-      </a:accent1>
-      <a:accent2>
-        <a:srgbClr val="58B6C0"/>
-      </a:accent2>
-      <a:accent3>
-        <a:srgbClr val="75BDA7"/>
-      </a:accent3>
-      <a:accent4>
-        <a:srgbClr val="7A8C8E"/>
-      </a:accent4>
-      <a:accent5>
-        <a:srgbClr val="84ACB6"/>
-      </a:accent5>
-      <a:accent6>
-        <a:srgbClr val="2683C6"/>
-      </a:accent6>
-      <a:hlink>
-        <a:srgbClr val="000000"/>
-      </a:hlink>
-      <a:folHlink>
-        <a:srgbClr val="9F6715"/>
-      </a:folHlink>
-    </a:clrScheme>
-    <a:fontScheme name="Office">
-      <a:majorFont>
-        <a:latin typeface="Arial"/>
-        <a:ea typeface=""/>
-        <a:cs typeface=""/>
-        <a:font script="Jpan" typeface="ＭＳ Ｐゴシック"/>
-        <a:font script="Hang" typeface="맑은 고딕"/>
-        <a:font script="Hans" typeface="宋体"/>
-        <a:font script="Hant" typeface="新細明體"/>
-        <a:font script="Arab" typeface="Times New Roman"/>
-        <a:font script="Hebr" typeface="Times New Roman"/>
-        <a:font script="Thai" typeface="Angsana New"/>
-        <a:font script="Ethi" typeface="Nyala"/>
-        <a:font script="Beng" typeface="Vrinda"/>
-        <a:font script="Gujr" typeface="Shruti"/>
-        <a:font script="Khmr" typeface="MoolBoran"/>
-        <a:font script="Knda" typeface="Tunga"/>
-        <a:font script="Guru" typeface="Raavi"/>
-        <a:font script="Cans" typeface="Euphemia"/>
-        <a:font script="Cher" typeface="Plantagenet Cherokee"/>
-        <a:font script="Yiii" typeface="Microsoft Yi Baiti"/>
-        <a:font script="Tibt" typeface="Microsoft Himalaya"/>
-        <a:font script="Thaa" typeface="MV Boli"/>
-        <a:font script="Deva" typeface="Mangal"/>
-        <a:font script="Telu" typeface="Gautami"/>
-        <a:font script="Taml" typeface="Latha"/>
-        <a:font script="Syrc" typeface="Estrangelo Edessa"/>
-        <a:font script="Orya" typeface="Kalinga"/>
-        <a:font script="Mlym" typeface="Kartika"/>
-        <a:font script="Laoo" typeface="DokChampa"/>
-        <a:font script="Sinh" typeface="Iskoola Pota"/>
-        <a:font script="Mong" typeface="Mongolian Baiti"/>
-        <a:font script="Viet" typeface="Times New Roman"/>
-        <a:font script="Uigh" typeface="Microsoft Uighur"/>
-        <a:font script="Geor" typeface="Sylfaen"/>
-      </a:majorFont>
-      <a:minorFont>
-        <a:latin typeface="Arial"/>
-        <a:ea typeface=""/>
-        <a:cs typeface=""/>
-        <a:font script="Jpan" typeface="ＭＳ Ｐゴシック"/>
-        <a:font script="Hang" typeface="맑은 고딕"/>
-        <a:font script="Hans" typeface="宋体"/>
-        <a:font script="Hant" typeface="新細明體"/>
-        <a:font script="Arab" typeface="Arial"/>
-        <a:font script="Hebr" typeface="Arial"/>
-        <a:font script="Thai" typeface="Cordia New"/>
-        <a:font script="Ethi" typeface="Nyala"/>
-        <a:font script="Beng" typeface="Vrinda"/>
-        <a:font script="Gujr" typeface="Shruti"/>
-        <a:font script="Khmr" typeface="DaunPenh"/>
-        <a:font script="Knda" typeface="Tunga"/>
-        <a:font script="Guru" typeface="Raavi"/>
-        <a:font script="Cans" typeface="Euphemia"/>
-        <a:font script="Cher" typeface="Plantagenet Cherokee"/>
-        <a:font script="Yiii" typeface="Microsoft Yi Baiti"/>
-        <a:font script="Tibt" typeface="Microsoft Himalaya"/>
-        <a:font script="Thaa" typeface="MV Boli"/>
-        <a:font script="Deva" typeface="Mangal"/>
-        <a:font script="Telu" typeface="Gautami"/>
-        <a:font script="Taml" typeface="Latha"/>
-        <a:font script="Syrc" typeface="Estrangelo Edessa"/>
-        <a:font script="Orya" typeface="Kalinga"/>
-        <a:font script="Mlym" typeface="Kartika"/>
-        <a:font script="Laoo" typeface="DokChampa"/>
-        <a:font script="Sinh" typeface="Iskoola Pota"/>
-        <a:font script="Mong" typeface="Mongolian Baiti"/>
-        <a:font script="Viet" typeface="Arial"/>
-        <a:font script="Uigh" typeface="Microsoft Uighur"/>
-        <a:font script="Geor" typeface="Sylfaen"/>
-      </a:minorFont>
-    </a:fontScheme>
-    <a:fmtScheme name="Office">
-      <a:fillStyleLst>
-        <a:solidFill>
-          <a:schemeClr val="phClr"/>
-        </a:solidFill>
-        <a:gradFill rotWithShape="1">
-          <a:gsLst>
-            <a:gs pos="0">
-              <a:schemeClr val="phClr">
-                <a:tint val="50000"/>
-                <a:satMod val="300000"/>
-              </a:schemeClr>
-            </a:gs>
-            <a:gs pos="35000">
-              <a:schemeClr val="phClr">
-                <a:tint val="37000"/>
-                <a:satMod val="300000"/>
-              </a:schemeClr>
-            </a:gs>
-            <a:gs pos="100000">
-              <a:schemeClr val="phClr">
-                <a:tint val="15000"/>
-                <a:satMod val="350000"/>
-              </a:schemeClr>
-            </a:gs>
-          </a:gsLst>
-          <a:lin ang="16200000" scaled="1"/>
-        </a:gradFill>
-        <a:gradFill rotWithShape="1">
-          <a:gsLst>
-            <a:gs pos="0">
-              <a:schemeClr val="phClr">
-                <a:tint val="100000"/>
-                <a:shade val="100000"/>
-                <a:satMod val="130000"/>
-              </a:schemeClr>
-            </a:gs>
-            <a:gs pos="100000">
-              <a:schemeClr val="phClr">
-                <a:tint val="50000"/>
-                <a:shade val="100000"/>
-                <a:satMod val="350000"/>
-              </a:schemeClr>
-            </a:gs>
-          </a:gsLst>
-          <a:lin ang="16200000" scaled="0"/>
-        </a:gradFill>
-      </a:fillStyleLst>
-      <a:lnStyleLst>
-        <a:ln w="9525" cap="flat" cmpd="sng" algn="ctr">
-          <a:solidFill>
-            <a:schemeClr val="phClr">
-              <a:shade val="95000"/>
-              <a:satMod val="105000"/>
-            </a:schemeClr>
-          </a:solidFill>
-          <a:prstDash val="solid"/>
-        </a:ln>
-        <a:ln w="25400" cap="flat" cmpd="sng" algn="ctr">
-          <a:solidFill>
-            <a:schemeClr val="phClr"/>
-          </a:solidFill>
-          <a:prstDash val="solid"/>
-        </a:ln>
-        <a:ln w="38100" cap="flat" cmpd="sng" algn="ctr">
-          <a:solidFill>
-            <a:schemeClr val="phClr"/>
-          </a:solidFill>
-          <a:prstDash val="solid"/>
-        </a:ln>
-      </a:lnStyleLst>
-      <a:effectStyleLst>
-        <a:effectStyle>
-          <a:effectLst>
-            <a:outerShdw blurRad="40000" dist="20000" dir="5400000" rotWithShape="0">
-              <a:srgbClr val="000000">
-                <a:alpha val="38000"/>
-              </a:srgbClr>
-            </a:outerShdw>
-          </a:effectLst>
-        </a:effectStyle>
-        <a:effectStyle>
-          <a:effectLst>
-            <a:outerShdw blurRad="40000" dist="23000" dir="5400000" rotWithShape="0">
-              <a:srgbClr val="000000">
-                <a:alpha val="35000"/>
-              </a:srgbClr>
-            </a:outerShdw>
-          </a:effectLst>
-        </a:effectStyle>
-        <a:effectStyle>
-          <a:effectLst>
-            <a:outerShdw blurRad="40000" dist="23000" dir="5400000" rotWithShape="0">
-              <a:srgbClr val="000000">
-                <a:alpha val="35000"/>
-              </a:srgbClr>
-            </a:outerShdw>
-          </a:effectLst>
-          <a:scene3d>
-            <a:camera prst="orthographicFront">
-              <a:rot lat="0" lon="0" rev="0"/>
-            </a:camera>
-            <a:lightRig rig="threePt" dir="t">
-              <a:rot lat="0" lon="0" rev="1200000"/>
-            </a:lightRig>
-          </a:scene3d>
-          <a:sp3d>
-            <a:bevelT w="63500" h="25400"/>
-          </a:sp3d>
-        </a:effectStyle>
-      </a:effectStyleLst>
-      <a:bgFillStyleLst>
-        <a:solidFill>
-          <a:schemeClr val="phClr"/>
-        </a:solidFill>
-        <a:gradFill rotWithShape="1">
-          <a:gsLst>
-            <a:gs pos="0">
-              <a:schemeClr val="phClr">
-                <a:tint val="40000"/>
-                <a:satMod val="350000"/>
-              </a:schemeClr>
-            </a:gs>
-            <a:gs pos="40000">
-              <a:schemeClr val="phClr">
-                <a:tint val="45000"/>
-                <a:shade val="99000"/>
-                <a:satMod val="350000"/>
-              </a:schemeClr>
-            </a:gs>
-            <a:gs pos="100000">
-              <a:schemeClr val="phClr">
-                <a:shade val="20000"/>
-                <a:satMod val="255000"/>
-              </a:schemeClr>
-            </a:gs>
-          </a:gsLst>
-          <a:path path="circle">
-            <a:fillToRect l="50000" t="-80000" r="50000" b="180000"/>
-          </a:path>
-        </a:gradFill>
-        <a:gradFill rotWithShape="1">
-          <a:gsLst>
-            <a:gs pos="0">
-              <a:schemeClr val="phClr">
-                <a:tint val="80000"/>
-                <a:satMod val="300000"/>
-              </a:schemeClr>
-            </a:gs>
-            <a:gs pos="100000">
-              <a:schemeClr val="phClr">
-                <a:shade val="30000"/>
-                <a:satMod val="200000"/>
-              </a:schemeClr>
-            </a:gs>
-          </a:gsLst>
-          <a:path path="circle">
-            <a:fillToRect l="50000" t="50000" r="50000" b="50000"/>
-          </a:path>
-        </a:gradFill>
-      </a:bgFillStyleLst>
-    </a:fmtScheme>
-  </a:themeElements>
-</a:theme>
 </file>